--- a/CLASTEROIDS Powerpoint.pptx
+++ b/CLASTEROIDS Powerpoint.pptx
@@ -176,7 +176,7 @@
           <a:noFill/>
           <a:extLst>
             <a:ext uri="{909E8E84-426E-40dd-AFC4-6F175D3DCCD1}">
-              <a14:hiddenFill xmlns:a14="http://schemas.microsoft.com/office/drawing/2010/main" xmlns="">
+              <a14:hiddenFill xmlns="" xmlns:a14="http://schemas.microsoft.com/office/drawing/2010/main">
                 <a:solidFill>
                   <a:srgbClr val="FFFFFF"/>
                 </a:solidFill>
@@ -235,7 +235,7 @@
             </a:ln>
             <a:extLst>
               <a:ext uri="{91240B29-F687-4f45-9708-019B960494DF}">
-                <a14:hiddenLine xmlns:a14="http://schemas.microsoft.com/office/drawing/2010/main" xmlns="" w="9525">
+                <a14:hiddenLine xmlns="" xmlns:a14="http://schemas.microsoft.com/office/drawing/2010/main" w="9525">
                   <a:solidFill>
                     <a:srgbClr val="000000"/>
                   </a:solidFill>
@@ -325,7 +325,7 @@
             </a:ln>
             <a:extLst>
               <a:ext uri="{91240B29-F687-4f45-9708-019B960494DF}">
-                <a14:hiddenLine xmlns:a14="http://schemas.microsoft.com/office/drawing/2010/main" xmlns="" w="9525">
+                <a14:hiddenLine xmlns="" xmlns:a14="http://schemas.microsoft.com/office/drawing/2010/main" w="9525">
                   <a:solidFill>
                     <a:srgbClr val="000000"/>
                   </a:solidFill>
@@ -415,7 +415,7 @@
             </a:ln>
             <a:extLst>
               <a:ext uri="{91240B29-F687-4f45-9708-019B960494DF}">
-                <a14:hiddenLine xmlns:a14="http://schemas.microsoft.com/office/drawing/2010/main" xmlns="" w="9525">
+                <a14:hiddenLine xmlns="" xmlns:a14="http://schemas.microsoft.com/office/drawing/2010/main" w="9525">
                   <a:solidFill>
                     <a:srgbClr val="000000"/>
                   </a:solidFill>
@@ -449,7 +449,7 @@
             </a:ln>
             <a:extLst>
               <a:ext uri="{91240B29-F687-4f45-9708-019B960494DF}">
-                <a14:hiddenLine xmlns:a14="http://schemas.microsoft.com/office/drawing/2010/main" xmlns="" w="9525">
+                <a14:hiddenLine xmlns="" xmlns:a14="http://schemas.microsoft.com/office/drawing/2010/main" w="9525">
                   <a:solidFill>
                     <a:srgbClr val="000000"/>
                   </a:solidFill>
@@ -539,7 +539,7 @@
             </a:ln>
             <a:extLst>
               <a:ext uri="{91240B29-F687-4f45-9708-019B960494DF}">
-                <a14:hiddenLine xmlns:a14="http://schemas.microsoft.com/office/drawing/2010/main" xmlns="" w="9525">
+                <a14:hiddenLine xmlns="" xmlns:a14="http://schemas.microsoft.com/office/drawing/2010/main" w="9525">
                   <a:solidFill>
                     <a:srgbClr val="000000"/>
                   </a:solidFill>
@@ -601,7 +601,7 @@
             </a:ln>
             <a:extLst>
               <a:ext uri="{91240B29-F687-4f45-9708-019B960494DF}">
-                <a14:hiddenLine xmlns:a14="http://schemas.microsoft.com/office/drawing/2010/main" xmlns="" w="9525">
+                <a14:hiddenLine xmlns="" xmlns:a14="http://schemas.microsoft.com/office/drawing/2010/main" w="9525">
                   <a:solidFill>
                     <a:srgbClr val="000000"/>
                   </a:solidFill>
@@ -663,7 +663,7 @@
             </a:ln>
             <a:extLst>
               <a:ext uri="{91240B29-F687-4f45-9708-019B960494DF}">
-                <a14:hiddenLine xmlns:a14="http://schemas.microsoft.com/office/drawing/2010/main" xmlns="" w="9525">
+                <a14:hiddenLine xmlns="" xmlns:a14="http://schemas.microsoft.com/office/drawing/2010/main" w="9525">
                   <a:solidFill>
                     <a:srgbClr val="000000"/>
                   </a:solidFill>
@@ -753,7 +753,7 @@
             </a:ln>
             <a:extLst>
               <a:ext uri="{91240B29-F687-4f45-9708-019B960494DF}">
-                <a14:hiddenLine xmlns:a14="http://schemas.microsoft.com/office/drawing/2010/main" xmlns="" w="9525">
+                <a14:hiddenLine xmlns="" xmlns:a14="http://schemas.microsoft.com/office/drawing/2010/main" w="9525">
                   <a:solidFill>
                     <a:srgbClr val="000000"/>
                   </a:solidFill>
@@ -815,7 +815,7 @@
             </a:ln>
             <a:extLst>
               <a:ext uri="{91240B29-F687-4f45-9708-019B960494DF}">
-                <a14:hiddenLine xmlns:a14="http://schemas.microsoft.com/office/drawing/2010/main" xmlns="" w="9525">
+                <a14:hiddenLine xmlns="" xmlns:a14="http://schemas.microsoft.com/office/drawing/2010/main" w="9525">
                   <a:solidFill>
                     <a:srgbClr val="000000"/>
                   </a:solidFill>
@@ -877,7 +877,7 @@
             </a:ln>
             <a:extLst>
               <a:ext uri="{91240B29-F687-4f45-9708-019B960494DF}">
-                <a14:hiddenLine xmlns:a14="http://schemas.microsoft.com/office/drawing/2010/main" xmlns="" w="9525">
+                <a14:hiddenLine xmlns="" xmlns:a14="http://schemas.microsoft.com/office/drawing/2010/main" w="9525">
                   <a:solidFill>
                     <a:srgbClr val="000000"/>
                   </a:solidFill>
@@ -967,7 +967,7 @@
             </a:ln>
             <a:extLst>
               <a:ext uri="{91240B29-F687-4f45-9708-019B960494DF}">
-                <a14:hiddenLine xmlns:a14="http://schemas.microsoft.com/office/drawing/2010/main" xmlns="" w="9525">
+                <a14:hiddenLine xmlns="" xmlns:a14="http://schemas.microsoft.com/office/drawing/2010/main" w="9525">
                   <a:solidFill>
                     <a:srgbClr val="000000"/>
                   </a:solidFill>
@@ -1057,7 +1057,7 @@
             </a:ln>
             <a:extLst>
               <a:ext uri="{91240B29-F687-4f45-9708-019B960494DF}">
-                <a14:hiddenLine xmlns:a14="http://schemas.microsoft.com/office/drawing/2010/main" xmlns="" w="9525">
+                <a14:hiddenLine xmlns="" xmlns:a14="http://schemas.microsoft.com/office/drawing/2010/main" w="9525">
                   <a:solidFill>
                     <a:srgbClr val="000000"/>
                   </a:solidFill>
@@ -1119,7 +1119,7 @@
             </a:ln>
             <a:extLst>
               <a:ext uri="{91240B29-F687-4f45-9708-019B960494DF}">
-                <a14:hiddenLine xmlns:a14="http://schemas.microsoft.com/office/drawing/2010/main" xmlns="" w="9525">
+                <a14:hiddenLine xmlns="" xmlns:a14="http://schemas.microsoft.com/office/drawing/2010/main" w="9525">
                   <a:solidFill>
                     <a:srgbClr val="000000"/>
                   </a:solidFill>
@@ -1229,7 +1229,7 @@
             </a:ln>
             <a:extLst>
               <a:ext uri="{91240B29-F687-4f45-9708-019B960494DF}">
-                <a14:hiddenLine xmlns:a14="http://schemas.microsoft.com/office/drawing/2010/main" xmlns="" w="9525">
+                <a14:hiddenLine xmlns="" xmlns:a14="http://schemas.microsoft.com/office/drawing/2010/main" w="9525">
                   <a:solidFill>
                     <a:srgbClr val="000000"/>
                   </a:solidFill>
@@ -1291,7 +1291,7 @@
             </a:ln>
             <a:extLst>
               <a:ext uri="{91240B29-F687-4f45-9708-019B960494DF}">
-                <a14:hiddenLine xmlns:a14="http://schemas.microsoft.com/office/drawing/2010/main" xmlns="" w="9525">
+                <a14:hiddenLine xmlns="" xmlns:a14="http://schemas.microsoft.com/office/drawing/2010/main" w="9525">
                   <a:solidFill>
                     <a:srgbClr val="000000"/>
                   </a:solidFill>
@@ -1381,7 +1381,7 @@
             </a:ln>
             <a:extLst>
               <a:ext uri="{91240B29-F687-4f45-9708-019B960494DF}">
-                <a14:hiddenLine xmlns:a14="http://schemas.microsoft.com/office/drawing/2010/main" xmlns="" w="9525">
+                <a14:hiddenLine xmlns="" xmlns:a14="http://schemas.microsoft.com/office/drawing/2010/main" w="9525">
                   <a:solidFill>
                     <a:srgbClr val="000000"/>
                   </a:solidFill>
@@ -1471,7 +1471,7 @@
             </a:ln>
             <a:extLst>
               <a:ext uri="{91240B29-F687-4f45-9708-019B960494DF}">
-                <a14:hiddenLine xmlns:a14="http://schemas.microsoft.com/office/drawing/2010/main" xmlns="" w="9525">
+                <a14:hiddenLine xmlns="" xmlns:a14="http://schemas.microsoft.com/office/drawing/2010/main" w="9525">
                   <a:solidFill>
                     <a:srgbClr val="000000"/>
                   </a:solidFill>
@@ -1533,7 +1533,7 @@
             </a:ln>
             <a:extLst>
               <a:ext uri="{91240B29-F687-4f45-9708-019B960494DF}">
-                <a14:hiddenLine xmlns:a14="http://schemas.microsoft.com/office/drawing/2010/main" xmlns="" w="9525">
+                <a14:hiddenLine xmlns="" xmlns:a14="http://schemas.microsoft.com/office/drawing/2010/main" w="9525">
                   <a:solidFill>
                     <a:srgbClr val="000000"/>
                   </a:solidFill>
@@ -1623,7 +1623,7 @@
             </a:ln>
             <a:extLst>
               <a:ext uri="{91240B29-F687-4f45-9708-019B960494DF}">
-                <a14:hiddenLine xmlns:a14="http://schemas.microsoft.com/office/drawing/2010/main" xmlns="" w="9525">
+                <a14:hiddenLine xmlns="" xmlns:a14="http://schemas.microsoft.com/office/drawing/2010/main" w="9525">
                   <a:solidFill>
                     <a:srgbClr val="000000"/>
                   </a:solidFill>
@@ -1713,7 +1713,7 @@
             </a:ln>
             <a:extLst>
               <a:ext uri="{91240B29-F687-4f45-9708-019B960494DF}">
-                <a14:hiddenLine xmlns:a14="http://schemas.microsoft.com/office/drawing/2010/main" xmlns="" w="9525">
+                <a14:hiddenLine xmlns="" xmlns:a14="http://schemas.microsoft.com/office/drawing/2010/main" w="9525">
                   <a:solidFill>
                     <a:srgbClr val="000000"/>
                   </a:solidFill>
@@ -1769,7 +1769,7 @@
             </a:ln>
             <a:extLst>
               <a:ext uri="{91240B29-F687-4f45-9708-019B960494DF}">
-                <a14:hiddenLine xmlns:a14="http://schemas.microsoft.com/office/drawing/2010/main" xmlns="" w="9525">
+                <a14:hiddenLine xmlns="" xmlns:a14="http://schemas.microsoft.com/office/drawing/2010/main" w="9525">
                   <a:solidFill>
                     <a:srgbClr val="000000"/>
                   </a:solidFill>
@@ -1859,7 +1859,7 @@
             </a:ln>
             <a:extLst>
               <a:ext uri="{91240B29-F687-4f45-9708-019B960494DF}">
-                <a14:hiddenLine xmlns:a14="http://schemas.microsoft.com/office/drawing/2010/main" xmlns="" w="9525">
+                <a14:hiddenLine xmlns="" xmlns:a14="http://schemas.microsoft.com/office/drawing/2010/main" w="9525">
                   <a:solidFill>
                     <a:srgbClr val="000000"/>
                   </a:solidFill>
@@ -1915,7 +1915,7 @@
             </a:ln>
             <a:extLst>
               <a:ext uri="{91240B29-F687-4f45-9708-019B960494DF}">
-                <a14:hiddenLine xmlns:a14="http://schemas.microsoft.com/office/drawing/2010/main" xmlns="" w="9525">
+                <a14:hiddenLine xmlns="" xmlns:a14="http://schemas.microsoft.com/office/drawing/2010/main" w="9525">
                   <a:solidFill>
                     <a:srgbClr val="000000"/>
                   </a:solidFill>
@@ -2005,7 +2005,7 @@
             </a:ln>
             <a:extLst>
               <a:ext uri="{91240B29-F687-4f45-9708-019B960494DF}">
-                <a14:hiddenLine xmlns:a14="http://schemas.microsoft.com/office/drawing/2010/main" xmlns="" w="9525">
+                <a14:hiddenLine xmlns="" xmlns:a14="http://schemas.microsoft.com/office/drawing/2010/main" w="9525">
                   <a:solidFill>
                     <a:srgbClr val="000000"/>
                   </a:solidFill>
@@ -2073,7 +2073,7 @@
             </a:ln>
             <a:extLst>
               <a:ext uri="{91240B29-F687-4f45-9708-019B960494DF}">
-                <a14:hiddenLine xmlns:a14="http://schemas.microsoft.com/office/drawing/2010/main" xmlns="" w="9525">
+                <a14:hiddenLine xmlns="" xmlns:a14="http://schemas.microsoft.com/office/drawing/2010/main" w="9525">
                   <a:solidFill>
                     <a:srgbClr val="000000"/>
                   </a:solidFill>
@@ -2163,7 +2163,7 @@
             </a:ln>
             <a:extLst>
               <a:ext uri="{91240B29-F687-4f45-9708-019B960494DF}">
-                <a14:hiddenLine xmlns:a14="http://schemas.microsoft.com/office/drawing/2010/main" xmlns="" w="9525">
+                <a14:hiddenLine xmlns="" xmlns:a14="http://schemas.microsoft.com/office/drawing/2010/main" w="9525">
                   <a:solidFill>
                     <a:srgbClr val="000000"/>
                   </a:solidFill>
@@ -2231,7 +2231,7 @@
             </a:ln>
             <a:extLst>
               <a:ext uri="{91240B29-F687-4f45-9708-019B960494DF}">
-                <a14:hiddenLine xmlns:a14="http://schemas.microsoft.com/office/drawing/2010/main" xmlns="" w="9525">
+                <a14:hiddenLine xmlns="" xmlns:a14="http://schemas.microsoft.com/office/drawing/2010/main" w="9525">
                   <a:solidFill>
                     <a:srgbClr val="000000"/>
                   </a:solidFill>
@@ -2321,7 +2321,7 @@
             </a:ln>
             <a:extLst>
               <a:ext uri="{91240B29-F687-4f45-9708-019B960494DF}">
-                <a14:hiddenLine xmlns:a14="http://schemas.microsoft.com/office/drawing/2010/main" xmlns="" w="9525">
+                <a14:hiddenLine xmlns="" xmlns:a14="http://schemas.microsoft.com/office/drawing/2010/main" w="9525">
                   <a:solidFill>
                     <a:srgbClr val="000000"/>
                   </a:solidFill>
@@ -2355,7 +2355,7 @@
             </a:ln>
             <a:extLst>
               <a:ext uri="{91240B29-F687-4f45-9708-019B960494DF}">
-                <a14:hiddenLine xmlns:a14="http://schemas.microsoft.com/office/drawing/2010/main" xmlns="" w="9525">
+                <a14:hiddenLine xmlns="" xmlns:a14="http://schemas.microsoft.com/office/drawing/2010/main" w="9525">
                   <a:solidFill>
                     <a:srgbClr val="000000"/>
                   </a:solidFill>
@@ -2445,7 +2445,7 @@
             </a:ln>
             <a:extLst>
               <a:ext uri="{91240B29-F687-4f45-9708-019B960494DF}">
-                <a14:hiddenLine xmlns:a14="http://schemas.microsoft.com/office/drawing/2010/main" xmlns="" w="9525">
+                <a14:hiddenLine xmlns="" xmlns:a14="http://schemas.microsoft.com/office/drawing/2010/main" w="9525">
                   <a:solidFill>
                     <a:srgbClr val="000000"/>
                   </a:solidFill>
@@ -2507,7 +2507,7 @@
             </a:ln>
             <a:extLst>
               <a:ext uri="{91240B29-F687-4f45-9708-019B960494DF}">
-                <a14:hiddenLine xmlns:a14="http://schemas.microsoft.com/office/drawing/2010/main" xmlns="" w="9525">
+                <a14:hiddenLine xmlns="" xmlns:a14="http://schemas.microsoft.com/office/drawing/2010/main" w="9525">
                   <a:solidFill>
                     <a:srgbClr val="000000"/>
                   </a:solidFill>
@@ -2569,7 +2569,7 @@
             </a:ln>
             <a:extLst>
               <a:ext uri="{91240B29-F687-4f45-9708-019B960494DF}">
-                <a14:hiddenLine xmlns:a14="http://schemas.microsoft.com/office/drawing/2010/main" xmlns="" w="9525">
+                <a14:hiddenLine xmlns="" xmlns:a14="http://schemas.microsoft.com/office/drawing/2010/main" w="9525">
                   <a:solidFill>
                     <a:srgbClr val="000000"/>
                   </a:solidFill>
@@ -2659,7 +2659,7 @@
             </a:ln>
             <a:extLst>
               <a:ext uri="{91240B29-F687-4f45-9708-019B960494DF}">
-                <a14:hiddenLine xmlns:a14="http://schemas.microsoft.com/office/drawing/2010/main" xmlns="" w="9525">
+                <a14:hiddenLine xmlns="" xmlns:a14="http://schemas.microsoft.com/office/drawing/2010/main" w="9525">
                   <a:solidFill>
                     <a:srgbClr val="000000"/>
                   </a:solidFill>
@@ -2727,7 +2727,7 @@
             </a:ln>
             <a:extLst>
               <a:ext uri="{91240B29-F687-4f45-9708-019B960494DF}">
-                <a14:hiddenLine xmlns:a14="http://schemas.microsoft.com/office/drawing/2010/main" xmlns="" w="9525">
+                <a14:hiddenLine xmlns="" xmlns:a14="http://schemas.microsoft.com/office/drawing/2010/main" w="9525">
                   <a:solidFill>
                     <a:srgbClr val="000000"/>
                   </a:solidFill>
@@ -2789,7 +2789,7 @@
             </a:ln>
             <a:extLst>
               <a:ext uri="{91240B29-F687-4f45-9708-019B960494DF}">
-                <a14:hiddenLine xmlns:a14="http://schemas.microsoft.com/office/drawing/2010/main" xmlns="" w="9525">
+                <a14:hiddenLine xmlns="" xmlns:a14="http://schemas.microsoft.com/office/drawing/2010/main" w="9525">
                   <a:solidFill>
                     <a:srgbClr val="000000"/>
                   </a:solidFill>
@@ -2879,7 +2879,7 @@
             </a:ln>
             <a:extLst>
               <a:ext uri="{91240B29-F687-4f45-9708-019B960494DF}">
-                <a14:hiddenLine xmlns:a14="http://schemas.microsoft.com/office/drawing/2010/main" xmlns="" w="9525">
+                <a14:hiddenLine xmlns="" xmlns:a14="http://schemas.microsoft.com/office/drawing/2010/main" w="9525">
                   <a:solidFill>
                     <a:srgbClr val="000000"/>
                   </a:solidFill>
@@ -2941,7 +2941,7 @@
             </a:ln>
             <a:extLst>
               <a:ext uri="{91240B29-F687-4f45-9708-019B960494DF}">
-                <a14:hiddenLine xmlns:a14="http://schemas.microsoft.com/office/drawing/2010/main" xmlns="" w="9525">
+                <a14:hiddenLine xmlns="" xmlns:a14="http://schemas.microsoft.com/office/drawing/2010/main" w="9525">
                   <a:solidFill>
                     <a:srgbClr val="000000"/>
                   </a:solidFill>
@@ -3031,7 +3031,7 @@
             </a:ln>
             <a:extLst>
               <a:ext uri="{91240B29-F687-4f45-9708-019B960494DF}">
-                <a14:hiddenLine xmlns:a14="http://schemas.microsoft.com/office/drawing/2010/main" xmlns="" w="9525">
+                <a14:hiddenLine xmlns="" xmlns:a14="http://schemas.microsoft.com/office/drawing/2010/main" w="9525">
                   <a:solidFill>
                     <a:srgbClr val="000000"/>
                   </a:solidFill>
@@ -3093,7 +3093,7 @@
             </a:ln>
             <a:extLst>
               <a:ext uri="{91240B29-F687-4f45-9708-019B960494DF}">
-                <a14:hiddenLine xmlns:a14="http://schemas.microsoft.com/office/drawing/2010/main" xmlns="" w="9525">
+                <a14:hiddenLine xmlns="" xmlns:a14="http://schemas.microsoft.com/office/drawing/2010/main" w="9525">
                   <a:solidFill>
                     <a:srgbClr val="000000"/>
                   </a:solidFill>
@@ -3183,7 +3183,7 @@
             </a:ln>
             <a:extLst>
               <a:ext uri="{91240B29-F687-4f45-9708-019B960494DF}">
-                <a14:hiddenLine xmlns:a14="http://schemas.microsoft.com/office/drawing/2010/main" xmlns="" w="9525">
+                <a14:hiddenLine xmlns="" xmlns:a14="http://schemas.microsoft.com/office/drawing/2010/main" w="9525">
                   <a:solidFill>
                     <a:srgbClr val="000000"/>
                   </a:solidFill>
@@ -3217,7 +3217,7 @@
             </a:ln>
             <a:extLst>
               <a:ext uri="{91240B29-F687-4f45-9708-019B960494DF}">
-                <a14:hiddenLine xmlns:a14="http://schemas.microsoft.com/office/drawing/2010/main" xmlns="" w="9525">
+                <a14:hiddenLine xmlns="" xmlns:a14="http://schemas.microsoft.com/office/drawing/2010/main" w="9525">
                   <a:solidFill>
                     <a:srgbClr val="000000"/>
                   </a:solidFill>
@@ -3282,7 +3282,7 @@
             </a:ln>
             <a:extLst>
               <a:ext uri="{91240B29-F687-4f45-9708-019B960494DF}">
-                <a14:hiddenLine xmlns:a14="http://schemas.microsoft.com/office/drawing/2010/main" xmlns="" w="9525">
+                <a14:hiddenLine xmlns="" xmlns:a14="http://schemas.microsoft.com/office/drawing/2010/main" w="9525">
                   <a:solidFill>
                     <a:srgbClr val="000000"/>
                   </a:solidFill>
@@ -3372,7 +3372,7 @@
             </a:ln>
             <a:extLst>
               <a:ext uri="{91240B29-F687-4f45-9708-019B960494DF}">
-                <a14:hiddenLine xmlns:a14="http://schemas.microsoft.com/office/drawing/2010/main" xmlns="" w="9525">
+                <a14:hiddenLine xmlns="" xmlns:a14="http://schemas.microsoft.com/office/drawing/2010/main" w="9525">
                   <a:solidFill>
                     <a:srgbClr val="000000"/>
                   </a:solidFill>
@@ -3434,7 +3434,7 @@
             </a:ln>
             <a:extLst>
               <a:ext uri="{91240B29-F687-4f45-9708-019B960494DF}">
-                <a14:hiddenLine xmlns:a14="http://schemas.microsoft.com/office/drawing/2010/main" xmlns="" w="9525">
+                <a14:hiddenLine xmlns="" xmlns:a14="http://schemas.microsoft.com/office/drawing/2010/main" w="9525">
                   <a:solidFill>
                     <a:srgbClr val="000000"/>
                   </a:solidFill>
@@ -3524,7 +3524,7 @@
             </a:ln>
             <a:extLst>
               <a:ext uri="{91240B29-F687-4f45-9708-019B960494DF}">
-                <a14:hiddenLine xmlns:a14="http://schemas.microsoft.com/office/drawing/2010/main" xmlns="" w="9525">
+                <a14:hiddenLine xmlns="" xmlns:a14="http://schemas.microsoft.com/office/drawing/2010/main" w="9525">
                   <a:solidFill>
                     <a:srgbClr val="000000"/>
                   </a:solidFill>
@@ -3614,7 +3614,7 @@
             </a:ln>
             <a:extLst>
               <a:ext uri="{91240B29-F687-4f45-9708-019B960494DF}">
-                <a14:hiddenLine xmlns:a14="http://schemas.microsoft.com/office/drawing/2010/main" xmlns="" w="9525">
+                <a14:hiddenLine xmlns="" xmlns:a14="http://schemas.microsoft.com/office/drawing/2010/main" w="9525">
                   <a:solidFill>
                     <a:srgbClr val="000000"/>
                   </a:solidFill>
@@ -3679,7 +3679,7 @@
             </a:ln>
             <a:extLst>
               <a:ext uri="{91240B29-F687-4f45-9708-019B960494DF}">
-                <a14:hiddenLine xmlns:a14="http://schemas.microsoft.com/office/drawing/2010/main" xmlns="" w="9525">
+                <a14:hiddenLine xmlns="" xmlns:a14="http://schemas.microsoft.com/office/drawing/2010/main" w="9525">
                   <a:solidFill>
                     <a:srgbClr val="000000"/>
                   </a:solidFill>
@@ -3741,7 +3741,7 @@
             </a:ln>
             <a:extLst>
               <a:ext uri="{91240B29-F687-4f45-9708-019B960494DF}">
-                <a14:hiddenLine xmlns:a14="http://schemas.microsoft.com/office/drawing/2010/main" xmlns="" w="9525">
+                <a14:hiddenLine xmlns="" xmlns:a14="http://schemas.microsoft.com/office/drawing/2010/main" w="9525">
                   <a:solidFill>
                     <a:srgbClr val="000000"/>
                   </a:solidFill>
@@ -3831,7 +3831,7 @@
             </a:ln>
             <a:extLst>
               <a:ext uri="{91240B29-F687-4f45-9708-019B960494DF}">
-                <a14:hiddenLine xmlns:a14="http://schemas.microsoft.com/office/drawing/2010/main" xmlns="" w="9525">
+                <a14:hiddenLine xmlns="" xmlns:a14="http://schemas.microsoft.com/office/drawing/2010/main" w="9525">
                   <a:solidFill>
                     <a:srgbClr val="000000"/>
                   </a:solidFill>
@@ -3921,7 +3921,7 @@
             </a:ln>
             <a:extLst>
               <a:ext uri="{91240B29-F687-4f45-9708-019B960494DF}">
-                <a14:hiddenLine xmlns:a14="http://schemas.microsoft.com/office/drawing/2010/main" xmlns="" w="9525">
+                <a14:hiddenLine xmlns="" xmlns:a14="http://schemas.microsoft.com/office/drawing/2010/main" w="9525">
                   <a:solidFill>
                     <a:srgbClr val="000000"/>
                   </a:solidFill>
@@ -3983,7 +3983,7 @@
             </a:ln>
             <a:extLst>
               <a:ext uri="{91240B29-F687-4f45-9708-019B960494DF}">
-                <a14:hiddenLine xmlns:a14="http://schemas.microsoft.com/office/drawing/2010/main" xmlns="" w="9525">
+                <a14:hiddenLine xmlns="" xmlns:a14="http://schemas.microsoft.com/office/drawing/2010/main" w="9525">
                   <a:solidFill>
                     <a:srgbClr val="000000"/>
                   </a:solidFill>
@@ -4103,7 +4103,7 @@
             </a:ln>
             <a:extLst>
               <a:ext uri="{91240B29-F687-4f45-9708-019B960494DF}">
-                <a14:hiddenLine xmlns:a14="http://schemas.microsoft.com/office/drawing/2010/main" xmlns="" w="9525">
+                <a14:hiddenLine xmlns="" xmlns:a14="http://schemas.microsoft.com/office/drawing/2010/main" w="9525">
                   <a:solidFill>
                     <a:srgbClr val="000000"/>
                   </a:solidFill>
@@ -4171,7 +4171,7 @@
             </a:ln>
             <a:extLst>
               <a:ext uri="{91240B29-F687-4f45-9708-019B960494DF}">
-                <a14:hiddenLine xmlns:a14="http://schemas.microsoft.com/office/drawing/2010/main" xmlns="" w="9525">
+                <a14:hiddenLine xmlns="" xmlns:a14="http://schemas.microsoft.com/office/drawing/2010/main" w="9525">
                   <a:solidFill>
                     <a:srgbClr val="000000"/>
                   </a:solidFill>
@@ -4261,7 +4261,7 @@
             </a:ln>
             <a:extLst>
               <a:ext uri="{91240B29-F687-4f45-9708-019B960494DF}">
-                <a14:hiddenLine xmlns:a14="http://schemas.microsoft.com/office/drawing/2010/main" xmlns="" w="9525">
+                <a14:hiddenLine xmlns="" xmlns:a14="http://schemas.microsoft.com/office/drawing/2010/main" w="9525">
                   <a:solidFill>
                     <a:srgbClr val="000000"/>
                   </a:solidFill>
@@ -8990,7 +8990,7 @@
           <a:noFill/>
           <a:extLst>
             <a:ext uri="{909E8E84-426E-40dd-AFC4-6F175D3DCCD1}">
-              <a14:hiddenFill xmlns:a14="http://schemas.microsoft.com/office/drawing/2010/main" xmlns="">
+              <a14:hiddenFill xmlns="" xmlns:a14="http://schemas.microsoft.com/office/drawing/2010/main">
                 <a:solidFill>
                   <a:srgbClr val="FFFFFF"/>
                 </a:solidFill>
@@ -9064,7 +9064,7 @@
               </a:ln>
               <a:extLst>
                 <a:ext uri="{91240B29-F687-4f45-9708-019B960494DF}">
-                  <a14:hiddenLine xmlns:a14="http://schemas.microsoft.com/office/drawing/2010/main" xmlns="" w="9525">
+                  <a14:hiddenLine xmlns="" xmlns:a14="http://schemas.microsoft.com/office/drawing/2010/main" w="9525">
                     <a:solidFill>
                       <a:srgbClr val="000000"/>
                     </a:solidFill>
@@ -9154,7 +9154,7 @@
               </a:ln>
               <a:extLst>
                 <a:ext uri="{91240B29-F687-4f45-9708-019B960494DF}">
-                  <a14:hiddenLine xmlns:a14="http://schemas.microsoft.com/office/drawing/2010/main" xmlns="" w="9525">
+                  <a14:hiddenLine xmlns="" xmlns:a14="http://schemas.microsoft.com/office/drawing/2010/main" w="9525">
                     <a:solidFill>
                       <a:srgbClr val="000000"/>
                     </a:solidFill>
@@ -9244,7 +9244,7 @@
               </a:ln>
               <a:extLst>
                 <a:ext uri="{91240B29-F687-4f45-9708-019B960494DF}">
-                  <a14:hiddenLine xmlns:a14="http://schemas.microsoft.com/office/drawing/2010/main" xmlns="" w="9525">
+                  <a14:hiddenLine xmlns="" xmlns:a14="http://schemas.microsoft.com/office/drawing/2010/main" w="9525">
                     <a:solidFill>
                       <a:srgbClr val="000000"/>
                     </a:solidFill>
@@ -9306,7 +9306,7 @@
               </a:ln>
               <a:extLst>
                 <a:ext uri="{91240B29-F687-4f45-9708-019B960494DF}">
-                  <a14:hiddenLine xmlns:a14="http://schemas.microsoft.com/office/drawing/2010/main" xmlns="" w="9525">
+                  <a14:hiddenLine xmlns="" xmlns:a14="http://schemas.microsoft.com/office/drawing/2010/main" w="9525">
                     <a:solidFill>
                       <a:srgbClr val="000000"/>
                     </a:solidFill>
@@ -9396,7 +9396,7 @@
               </a:ln>
               <a:extLst>
                 <a:ext uri="{91240B29-F687-4f45-9708-019B960494DF}">
-                  <a14:hiddenLine xmlns:a14="http://schemas.microsoft.com/office/drawing/2010/main" xmlns="" w="9525">
+                  <a14:hiddenLine xmlns="" xmlns:a14="http://schemas.microsoft.com/office/drawing/2010/main" w="9525">
                     <a:solidFill>
                       <a:srgbClr val="000000"/>
                     </a:solidFill>
@@ -9458,7 +9458,7 @@
               </a:ln>
               <a:extLst>
                 <a:ext uri="{91240B29-F687-4f45-9708-019B960494DF}">
-                  <a14:hiddenLine xmlns:a14="http://schemas.microsoft.com/office/drawing/2010/main" xmlns="" w="9525">
+                  <a14:hiddenLine xmlns="" xmlns:a14="http://schemas.microsoft.com/office/drawing/2010/main" w="9525">
                     <a:solidFill>
                       <a:srgbClr val="000000"/>
                     </a:solidFill>
@@ -9520,7 +9520,7 @@
               </a:ln>
               <a:extLst>
                 <a:ext uri="{91240B29-F687-4f45-9708-019B960494DF}">
-                  <a14:hiddenLine xmlns:a14="http://schemas.microsoft.com/office/drawing/2010/main" xmlns="" w="9525">
+                  <a14:hiddenLine xmlns="" xmlns:a14="http://schemas.microsoft.com/office/drawing/2010/main" w="9525">
                     <a:solidFill>
                       <a:srgbClr val="000000"/>
                     </a:solidFill>
@@ -9610,7 +9610,7 @@
               </a:ln>
               <a:extLst>
                 <a:ext uri="{91240B29-F687-4f45-9708-019B960494DF}">
-                  <a14:hiddenLine xmlns:a14="http://schemas.microsoft.com/office/drawing/2010/main" xmlns="" w="9525">
+                  <a14:hiddenLine xmlns="" xmlns:a14="http://schemas.microsoft.com/office/drawing/2010/main" w="9525">
                     <a:solidFill>
                       <a:srgbClr val="000000"/>
                     </a:solidFill>
@@ -9700,7 +9700,7 @@
               </a:ln>
               <a:extLst>
                 <a:ext uri="{91240B29-F687-4f45-9708-019B960494DF}">
-                  <a14:hiddenLine xmlns:a14="http://schemas.microsoft.com/office/drawing/2010/main" xmlns="" w="9525">
+                  <a14:hiddenLine xmlns="" xmlns:a14="http://schemas.microsoft.com/office/drawing/2010/main" w="9525">
                     <a:solidFill>
                       <a:srgbClr val="000000"/>
                     </a:solidFill>
@@ -9762,7 +9762,7 @@
               </a:ln>
               <a:extLst>
                 <a:ext uri="{91240B29-F687-4f45-9708-019B960494DF}">
-                  <a14:hiddenLine xmlns:a14="http://schemas.microsoft.com/office/drawing/2010/main" xmlns="" w="9525">
+                  <a14:hiddenLine xmlns="" xmlns:a14="http://schemas.microsoft.com/office/drawing/2010/main" w="9525">
                     <a:solidFill>
                       <a:srgbClr val="000000"/>
                     </a:solidFill>
@@ -9872,7 +9872,7 @@
               </a:ln>
               <a:extLst>
                 <a:ext uri="{91240B29-F687-4f45-9708-019B960494DF}">
-                  <a14:hiddenLine xmlns:a14="http://schemas.microsoft.com/office/drawing/2010/main" xmlns="" w="9525">
+                  <a14:hiddenLine xmlns="" xmlns:a14="http://schemas.microsoft.com/office/drawing/2010/main" w="9525">
                     <a:solidFill>
                       <a:srgbClr val="000000"/>
                     </a:solidFill>
@@ -9956,7 +9956,7 @@
               </a:ln>
               <a:extLst>
                 <a:ext uri="{91240B29-F687-4f45-9708-019B960494DF}">
-                  <a14:hiddenLine xmlns:a14="http://schemas.microsoft.com/office/drawing/2010/main" xmlns="" w="9525">
+                  <a14:hiddenLine xmlns="" xmlns:a14="http://schemas.microsoft.com/office/drawing/2010/main" w="9525">
                     <a:solidFill>
                       <a:srgbClr val="000000"/>
                     </a:solidFill>
@@ -10018,7 +10018,7 @@
               </a:ln>
               <a:extLst>
                 <a:ext uri="{91240B29-F687-4f45-9708-019B960494DF}">
-                  <a14:hiddenLine xmlns:a14="http://schemas.microsoft.com/office/drawing/2010/main" xmlns="" w="9525">
+                  <a14:hiddenLine xmlns="" xmlns:a14="http://schemas.microsoft.com/office/drawing/2010/main" w="9525">
                     <a:solidFill>
                       <a:srgbClr val="000000"/>
                     </a:solidFill>
@@ -10080,7 +10080,7 @@
               </a:ln>
               <a:extLst>
                 <a:ext uri="{91240B29-F687-4f45-9708-019B960494DF}">
-                  <a14:hiddenLine xmlns:a14="http://schemas.microsoft.com/office/drawing/2010/main" xmlns="" w="9525">
+                  <a14:hiddenLine xmlns="" xmlns:a14="http://schemas.microsoft.com/office/drawing/2010/main" w="9525">
                     <a:solidFill>
                       <a:srgbClr val="000000"/>
                     </a:solidFill>
@@ -10170,7 +10170,7 @@
               </a:ln>
               <a:extLst>
                 <a:ext uri="{91240B29-F687-4f45-9708-019B960494DF}">
-                  <a14:hiddenLine xmlns:a14="http://schemas.microsoft.com/office/drawing/2010/main" xmlns="" w="9525">
+                  <a14:hiddenLine xmlns="" xmlns:a14="http://schemas.microsoft.com/office/drawing/2010/main" w="9525">
                     <a:solidFill>
                       <a:srgbClr val="000000"/>
                     </a:solidFill>
@@ -10204,7 +10204,7 @@
               </a:ln>
               <a:extLst>
                 <a:ext uri="{91240B29-F687-4f45-9708-019B960494DF}">
-                  <a14:hiddenLine xmlns:a14="http://schemas.microsoft.com/office/drawing/2010/main" xmlns="" w="9525">
+                  <a14:hiddenLine xmlns="" xmlns:a14="http://schemas.microsoft.com/office/drawing/2010/main" w="9525">
                     <a:solidFill>
                       <a:srgbClr val="000000"/>
                     </a:solidFill>
@@ -10269,7 +10269,7 @@
               </a:ln>
               <a:extLst>
                 <a:ext uri="{91240B29-F687-4f45-9708-019B960494DF}">
-                  <a14:hiddenLine xmlns:a14="http://schemas.microsoft.com/office/drawing/2010/main" xmlns="" w="9525">
+                  <a14:hiddenLine xmlns="" xmlns:a14="http://schemas.microsoft.com/office/drawing/2010/main" w="9525">
                     <a:solidFill>
                       <a:srgbClr val="000000"/>
                     </a:solidFill>
@@ -10359,7 +10359,7 @@
               </a:ln>
               <a:extLst>
                 <a:ext uri="{91240B29-F687-4f45-9708-019B960494DF}">
-                  <a14:hiddenLine xmlns:a14="http://schemas.microsoft.com/office/drawing/2010/main" xmlns="" w="9525">
+                  <a14:hiddenLine xmlns="" xmlns:a14="http://schemas.microsoft.com/office/drawing/2010/main" w="9525">
                     <a:solidFill>
                       <a:srgbClr val="000000"/>
                     </a:solidFill>
@@ -10421,7 +10421,7 @@
               </a:ln>
               <a:extLst>
                 <a:ext uri="{91240B29-F687-4f45-9708-019B960494DF}">
-                  <a14:hiddenLine xmlns:a14="http://schemas.microsoft.com/office/drawing/2010/main" xmlns="" w="9525">
+                  <a14:hiddenLine xmlns="" xmlns:a14="http://schemas.microsoft.com/office/drawing/2010/main" w="9525">
                     <a:solidFill>
                       <a:srgbClr val="000000"/>
                     </a:solidFill>
@@ -10511,7 +10511,7 @@
               </a:ln>
               <a:extLst>
                 <a:ext uri="{91240B29-F687-4f45-9708-019B960494DF}">
-                  <a14:hiddenLine xmlns:a14="http://schemas.microsoft.com/office/drawing/2010/main" xmlns="" w="9525">
+                  <a14:hiddenLine xmlns="" xmlns:a14="http://schemas.microsoft.com/office/drawing/2010/main" w="9525">
                     <a:solidFill>
                       <a:srgbClr val="000000"/>
                     </a:solidFill>
@@ -10576,7 +10576,7 @@
               </a:ln>
               <a:extLst>
                 <a:ext uri="{91240B29-F687-4f45-9708-019B960494DF}">
-                  <a14:hiddenLine xmlns:a14="http://schemas.microsoft.com/office/drawing/2010/main" xmlns="" w="9525">
+                  <a14:hiddenLine xmlns="" xmlns:a14="http://schemas.microsoft.com/office/drawing/2010/main" w="9525">
                     <a:solidFill>
                       <a:srgbClr val="000000"/>
                     </a:solidFill>
@@ -10638,7 +10638,7 @@
               </a:ln>
               <a:extLst>
                 <a:ext uri="{91240B29-F687-4f45-9708-019B960494DF}">
-                  <a14:hiddenLine xmlns:a14="http://schemas.microsoft.com/office/drawing/2010/main" xmlns="" w="9525">
+                  <a14:hiddenLine xmlns="" xmlns:a14="http://schemas.microsoft.com/office/drawing/2010/main" w="9525">
                     <a:solidFill>
                       <a:srgbClr val="000000"/>
                     </a:solidFill>
@@ -10728,7 +10728,7 @@
               </a:ln>
               <a:extLst>
                 <a:ext uri="{91240B29-F687-4f45-9708-019B960494DF}">
-                  <a14:hiddenLine xmlns:a14="http://schemas.microsoft.com/office/drawing/2010/main" xmlns="" w="9525">
+                  <a14:hiddenLine xmlns="" xmlns:a14="http://schemas.microsoft.com/office/drawing/2010/main" w="9525">
                     <a:solidFill>
                       <a:srgbClr val="000000"/>
                     </a:solidFill>
@@ -10818,7 +10818,7 @@
               </a:ln>
               <a:extLst>
                 <a:ext uri="{91240B29-F687-4f45-9708-019B960494DF}">
-                  <a14:hiddenLine xmlns:a14="http://schemas.microsoft.com/office/drawing/2010/main" xmlns="" w="9525">
+                  <a14:hiddenLine xmlns="" xmlns:a14="http://schemas.microsoft.com/office/drawing/2010/main" w="9525">
                     <a:solidFill>
                       <a:srgbClr val="000000"/>
                     </a:solidFill>
@@ -10883,7 +10883,7 @@
               </a:ln>
               <a:extLst>
                 <a:ext uri="{91240B29-F687-4f45-9708-019B960494DF}">
-                  <a14:hiddenLine xmlns:a14="http://schemas.microsoft.com/office/drawing/2010/main" xmlns="" w="9525">
+                  <a14:hiddenLine xmlns="" xmlns:a14="http://schemas.microsoft.com/office/drawing/2010/main" w="9525">
                     <a:solidFill>
                       <a:srgbClr val="000000"/>
                     </a:solidFill>
@@ -11003,7 +11003,7 @@
               </a:ln>
               <a:extLst>
                 <a:ext uri="{91240B29-F687-4f45-9708-019B960494DF}">
-                  <a14:hiddenLine xmlns:a14="http://schemas.microsoft.com/office/drawing/2010/main" xmlns="" w="9525">
+                  <a14:hiddenLine xmlns="" xmlns:a14="http://schemas.microsoft.com/office/drawing/2010/main" w="9525">
                     <a:solidFill>
                       <a:srgbClr val="000000"/>
                     </a:solidFill>
@@ -11084,7 +11084,7 @@
               </a:ln>
               <a:extLst>
                 <a:ext uri="{91240B29-F687-4f45-9708-019B960494DF}">
-                  <a14:hiddenLine xmlns:a14="http://schemas.microsoft.com/office/drawing/2010/main" xmlns="" w="9525">
+                  <a14:hiddenLine xmlns="" xmlns:a14="http://schemas.microsoft.com/office/drawing/2010/main" w="9525">
                     <a:solidFill>
                       <a:srgbClr val="000000"/>
                     </a:solidFill>
@@ -11199,7 +11199,7 @@
               </a:ln>
               <a:extLst>
                 <a:ext uri="{91240B29-F687-4f45-9708-019B960494DF}">
-                  <a14:hiddenLine xmlns:a14="http://schemas.microsoft.com/office/drawing/2010/main" xmlns="" w="9525">
+                  <a14:hiddenLine xmlns="" xmlns:a14="http://schemas.microsoft.com/office/drawing/2010/main" w="9525">
                     <a:solidFill>
                       <a:srgbClr val="000000"/>
                     </a:solidFill>
@@ -11289,7 +11289,7 @@
               </a:ln>
               <a:extLst>
                 <a:ext uri="{91240B29-F687-4f45-9708-019B960494DF}">
-                  <a14:hiddenLine xmlns:a14="http://schemas.microsoft.com/office/drawing/2010/main" xmlns="" w="9525">
+                  <a14:hiddenLine xmlns="" xmlns:a14="http://schemas.microsoft.com/office/drawing/2010/main" w="9525">
                     <a:solidFill>
                       <a:srgbClr val="000000"/>
                     </a:solidFill>
@@ -11354,7 +11354,7 @@
               </a:ln>
               <a:extLst>
                 <a:ext uri="{91240B29-F687-4f45-9708-019B960494DF}">
-                  <a14:hiddenLine xmlns:a14="http://schemas.microsoft.com/office/drawing/2010/main" xmlns="" w="9525">
+                  <a14:hiddenLine xmlns="" xmlns:a14="http://schemas.microsoft.com/office/drawing/2010/main" w="9525">
                     <a:solidFill>
                       <a:srgbClr val="000000"/>
                     </a:solidFill>
@@ -11444,7 +11444,7 @@
               </a:ln>
               <a:extLst>
                 <a:ext uri="{91240B29-F687-4f45-9708-019B960494DF}">
-                  <a14:hiddenLine xmlns:a14="http://schemas.microsoft.com/office/drawing/2010/main" xmlns="" w="9525">
+                  <a14:hiddenLine xmlns="" xmlns:a14="http://schemas.microsoft.com/office/drawing/2010/main" w="9525">
                     <a:solidFill>
                       <a:srgbClr val="000000"/>
                     </a:solidFill>
@@ -11512,7 +11512,7 @@
               </a:ln>
               <a:extLst>
                 <a:ext uri="{91240B29-F687-4f45-9708-019B960494DF}">
-                  <a14:hiddenLine xmlns:a14="http://schemas.microsoft.com/office/drawing/2010/main" xmlns="" w="9525">
+                  <a14:hiddenLine xmlns="" xmlns:a14="http://schemas.microsoft.com/office/drawing/2010/main" w="9525">
                     <a:solidFill>
                       <a:srgbClr val="000000"/>
                     </a:solidFill>
@@ -11602,7 +11602,7 @@
               </a:ln>
               <a:extLst>
                 <a:ext uri="{91240B29-F687-4f45-9708-019B960494DF}">
-                  <a14:hiddenLine xmlns:a14="http://schemas.microsoft.com/office/drawing/2010/main" xmlns="" w="9525">
+                  <a14:hiddenLine xmlns="" xmlns:a14="http://schemas.microsoft.com/office/drawing/2010/main" w="9525">
                     <a:solidFill>
                       <a:srgbClr val="000000"/>
                     </a:solidFill>
@@ -11670,7 +11670,7 @@
               </a:ln>
               <a:extLst>
                 <a:ext uri="{91240B29-F687-4f45-9708-019B960494DF}">
-                  <a14:hiddenLine xmlns:a14="http://schemas.microsoft.com/office/drawing/2010/main" xmlns="" w="9525">
+                  <a14:hiddenLine xmlns="" xmlns:a14="http://schemas.microsoft.com/office/drawing/2010/main" w="9525">
                     <a:solidFill>
                       <a:srgbClr val="000000"/>
                     </a:solidFill>
@@ -11760,7 +11760,7 @@
               </a:ln>
               <a:extLst>
                 <a:ext uri="{91240B29-F687-4f45-9708-019B960494DF}">
-                  <a14:hiddenLine xmlns:a14="http://schemas.microsoft.com/office/drawing/2010/main" xmlns="" w="9525">
+                  <a14:hiddenLine xmlns="" xmlns:a14="http://schemas.microsoft.com/office/drawing/2010/main" w="9525">
                     <a:solidFill>
                       <a:srgbClr val="000000"/>
                     </a:solidFill>
@@ -11794,7 +11794,7 @@
               </a:ln>
               <a:extLst>
                 <a:ext uri="{91240B29-F687-4f45-9708-019B960494DF}">
-                  <a14:hiddenLine xmlns:a14="http://schemas.microsoft.com/office/drawing/2010/main" xmlns="" w="9525">
+                  <a14:hiddenLine xmlns="" xmlns:a14="http://schemas.microsoft.com/office/drawing/2010/main" w="9525">
                     <a:solidFill>
                       <a:srgbClr val="000000"/>
                     </a:solidFill>
@@ -12369,19 +12369,19 @@
         </p:nvSpPr>
         <p:spPr>
           <a:xfrm>
-            <a:off x="1876424" y="1122363"/>
+            <a:off x="1633535" y="1379537"/>
             <a:ext cx="8791575" cy="1041997"/>
           </a:xfrm>
         </p:spPr>
         <p:txBody>
           <a:bodyPr>
-            <a:normAutofit/>
+            <a:noAutofit/>
           </a:bodyPr>
           <a:lstStyle/>
           <a:p>
             <a:pPr algn="ctr"/>
             <a:r>
-              <a:rPr lang="en-US" sz="6000" dirty="0"/>
+              <a:rPr lang="en-US" sz="11500" dirty="0"/>
               <a:t>CLasteroids</a:t>
             </a:r>
           </a:p>
@@ -12405,24 +12405,34 @@
         </p:nvSpPr>
         <p:spPr>
           <a:xfrm>
-            <a:off x="1876424" y="3330430"/>
+            <a:off x="1633534" y="3401868"/>
             <a:ext cx="8791575" cy="1199626"/>
           </a:xfrm>
         </p:spPr>
         <p:txBody>
-          <a:bodyPr/>
+          <a:bodyPr>
+            <a:noAutofit/>
+          </a:bodyPr>
           <a:lstStyle/>
           <a:p>
             <a:pPr algn="ctr"/>
             <a:r>
-              <a:rPr lang="en-US" dirty="0"/>
+              <a:rPr lang="en-US" sz="3200" dirty="0">
+                <a:solidFill>
+                  <a:schemeClr val="tx1"/>
+                </a:solidFill>
+              </a:rPr>
               <a:t>Course project for csci 352</a:t>
             </a:r>
           </a:p>
           <a:p>
             <a:pPr algn="ctr"/>
             <a:r>
-              <a:rPr lang="en-US" sz="1200" dirty="0"/>
+              <a:rPr lang="en-US" sz="3200" dirty="0">
+                <a:solidFill>
+                  <a:schemeClr val="tx1"/>
+                </a:solidFill>
+              </a:rPr>
               <a:t>By Philippe Lumpkin and Nicholas Pica</a:t>
             </a:r>
           </a:p>
@@ -12438,6 +12448,13 @@
   <p:clrMapOvr>
     <a:masterClrMapping/>
   </p:clrMapOvr>
+  <p:timing>
+    <p:tnLst>
+      <p:par>
+        <p:cTn id="1" dur="indefinite" restart="never" nodeType="tmRoot"/>
+      </p:par>
+    </p:tnLst>
+  </p:timing>
 </p:sld>
 </file>
 
@@ -12476,11 +12493,13 @@
         </p:nvSpPr>
         <p:spPr/>
         <p:txBody>
-          <a:bodyPr/>
+          <a:bodyPr>
+            <a:normAutofit/>
+          </a:bodyPr>
           <a:lstStyle/>
           <a:p>
             <a:r>
-              <a:rPr lang="en-US" dirty="0"/>
+              <a:rPr lang="en-US" sz="4000" dirty="0"/>
               <a:t>Background</a:t>
             </a:r>
           </a:p>
@@ -12501,7 +12520,7 @@
         <p:spPr>
           <a:xfrm>
             <a:off x="1141413" y="2181138"/>
-            <a:ext cx="10568505" cy="2956194"/>
+            <a:ext cx="10568505" cy="3785652"/>
           </a:xfrm>
           <a:prstGeom prst="rect">
             <a:avLst/>
@@ -12522,7 +12541,7 @@
               <a:buChar char="•"/>
             </a:pPr>
             <a:r>
-              <a:rPr lang="en-US" dirty="0"/>
+              <a:rPr lang="en-US" sz="2000" dirty="0"/>
               <a:t>What is this project?</a:t>
             </a:r>
           </a:p>
@@ -12535,7 +12554,7 @@
               <a:buChar char="•"/>
             </a:pPr>
             <a:r>
-              <a:rPr lang="en-US" dirty="0"/>
+              <a:rPr lang="en-US" sz="2000" dirty="0"/>
               <a:t>This project was designed to be a remake of the game Asteroids. </a:t>
             </a:r>
           </a:p>
@@ -12548,7 +12567,7 @@
               <a:buChar char="•"/>
             </a:pPr>
             <a:r>
-              <a:rPr lang="en-US" dirty="0"/>
+              <a:rPr lang="en-US" sz="2000" dirty="0"/>
               <a:t>Why did we do this project?</a:t>
             </a:r>
           </a:p>
@@ -12561,9 +12580,14 @@
               <a:buChar char="•"/>
             </a:pPr>
             <a:r>
-              <a:rPr lang="en-US" dirty="0"/>
-              <a:t>Both of our histories have included gaming as we both began playing on the PlayStation 1 and 2. </a:t>
+              <a:rPr lang="en-US" sz="2000" dirty="0"/>
+              <a:t>Both of our histories have included gaming as we both began playing on the PlayStation 1 and </a:t>
             </a:r>
+            <a:r>
+              <a:rPr lang="en-US" sz="2000" dirty="0" smtClean="0"/>
+              <a:t>2.</a:t>
+            </a:r>
+            <a:endParaRPr lang="en-US" sz="2000" dirty="0"/>
           </a:p>
           <a:p>
             <a:pPr marL="285750" indent="-285750">
@@ -12574,7 +12598,7 @@
               <a:buChar char="•"/>
             </a:pPr>
             <a:r>
-              <a:rPr lang="en-US" dirty="0"/>
+              <a:rPr lang="en-US" sz="2000" dirty="0"/>
               <a:t>What do you need to know about this project?</a:t>
             </a:r>
           </a:p>
@@ -12587,7 +12611,7 @@
               <a:buChar char="•"/>
             </a:pPr>
             <a:r>
-              <a:rPr lang="en-US" dirty="0"/>
+              <a:rPr lang="en-US" sz="2000" dirty="0"/>
               <a:t>Our first intention was to create a complete remake but shortly after beginning we decided to instead create our own version of the game. </a:t>
             </a:r>
           </a:p>
@@ -12603,6 +12627,13 @@
   <p:clrMapOvr>
     <a:masterClrMapping/>
   </p:clrMapOvr>
+  <p:timing>
+    <p:tnLst>
+      <p:par>
+        <p:cTn id="1" dur="indefinite" restart="never" nodeType="tmRoot"/>
+      </p:par>
+    </p:tnLst>
+  </p:timing>
 </p:sld>
 </file>
 
@@ -12645,9 +12676,10 @@
           <a:lstStyle/>
           <a:p>
             <a:r>
-              <a:rPr lang="en-US" dirty="0"/>
+              <a:rPr lang="en-US" sz="4000" dirty="0"/>
               <a:t>Approach</a:t>
             </a:r>
+            <a:endParaRPr lang="en-US" dirty="0"/>
           </a:p>
         </p:txBody>
       </p:sp>
@@ -12666,7 +12698,7 @@
         <p:spPr>
           <a:xfrm>
             <a:off x="1141413" y="2097088"/>
-            <a:ext cx="10888400" cy="2956194"/>
+            <a:ext cx="10888400" cy="3274423"/>
           </a:xfrm>
           <a:prstGeom prst="rect">
             <a:avLst/>
@@ -12687,7 +12719,7 @@
               <a:buChar char="•"/>
             </a:pPr>
             <a:r>
-              <a:rPr lang="en-US" dirty="0"/>
+              <a:rPr lang="en-US" sz="2000" dirty="0"/>
               <a:t>How did we do it?</a:t>
             </a:r>
           </a:p>
@@ -12700,7 +12732,7 @@
               <a:buChar char="•"/>
             </a:pPr>
             <a:r>
-              <a:rPr lang="en-US" dirty="0"/>
+              <a:rPr lang="en-US" sz="2000" dirty="0"/>
               <a:t>This game was created in a C# WPF. </a:t>
             </a:r>
           </a:p>
@@ -12713,7 +12745,7 @@
               <a:buChar char="•"/>
             </a:pPr>
             <a:r>
-              <a:rPr lang="en-US" dirty="0"/>
+              <a:rPr lang="en-US" sz="2000" dirty="0"/>
               <a:t>Special libraries/drivers?</a:t>
             </a:r>
           </a:p>
@@ -12726,7 +12758,7 @@
               <a:buChar char="•"/>
             </a:pPr>
             <a:r>
-              <a:rPr lang="en-US" dirty="0"/>
+              <a:rPr lang="en-US" sz="2000" dirty="0"/>
               <a:t>A major library that we have added to the program is the Threading library. </a:t>
             </a:r>
           </a:p>
@@ -12739,7 +12771,7 @@
               <a:buChar char="•"/>
             </a:pPr>
             <a:r>
-              <a:rPr lang="en-US" dirty="0"/>
+              <a:rPr lang="en-US" sz="2000" dirty="0"/>
               <a:t>We added the IO library that allowed us to read from a file.</a:t>
             </a:r>
           </a:p>
@@ -12752,7 +12784,7 @@
               <a:buChar char="•"/>
             </a:pPr>
             <a:r>
-              <a:rPr lang="en-US" dirty="0"/>
+              <a:rPr lang="en-US" sz="2000" dirty="0"/>
               <a:t>Design Patterns used?</a:t>
             </a:r>
           </a:p>
@@ -12765,7 +12797,7 @@
               <a:buChar char="•"/>
             </a:pPr>
             <a:r>
-              <a:rPr lang="en-US" dirty="0"/>
+              <a:rPr lang="en-US" sz="2000" dirty="0"/>
               <a:t>We specifically used the State and the Observer pattern.</a:t>
             </a:r>
           </a:p>
@@ -12781,6 +12813,13 @@
   <p:clrMapOvr>
     <a:masterClrMapping/>
   </p:clrMapOvr>
+  <p:timing>
+    <p:tnLst>
+      <p:par>
+        <p:cTn id="1" dur="indefinite" restart="never" nodeType="tmRoot"/>
+      </p:par>
+    </p:tnLst>
+  </p:timing>
 </p:sld>
 </file>
 
@@ -12819,11 +12858,13 @@
         </p:nvSpPr>
         <p:spPr/>
         <p:txBody>
-          <a:bodyPr/>
+          <a:bodyPr>
+            <a:normAutofit/>
+          </a:bodyPr>
           <a:lstStyle/>
           <a:p>
             <a:r>
-              <a:rPr lang="en-US" dirty="0"/>
+              <a:rPr lang="en-US" sz="4000" dirty="0"/>
               <a:t>Class Diagrams</a:t>
             </a:r>
           </a:p>
@@ -12844,7 +12885,7 @@
         <p:spPr>
           <a:xfrm>
             <a:off x="1141413" y="2516856"/>
-            <a:ext cx="10854844" cy="2540696"/>
+            <a:ext cx="10854844" cy="2812758"/>
           </a:xfrm>
           <a:prstGeom prst="rect">
             <a:avLst/>
@@ -12865,7 +12906,7 @@
               <a:buChar char="•"/>
             </a:pPr>
             <a:r>
-              <a:rPr lang="en-US" dirty="0"/>
+              <a:rPr lang="en-US" sz="2000" dirty="0"/>
               <a:t>This project begins with a main window in which pages are hosted inside of it.</a:t>
             </a:r>
           </a:p>
@@ -12878,7 +12919,7 @@
               <a:buChar char="•"/>
             </a:pPr>
             <a:r>
-              <a:rPr lang="en-US" dirty="0"/>
+              <a:rPr lang="en-US" sz="2000" dirty="0"/>
               <a:t>We then use navigation methods to transition to our pages.</a:t>
             </a:r>
           </a:p>
@@ -12891,7 +12932,7 @@
               <a:buChar char="•"/>
             </a:pPr>
             <a:r>
-              <a:rPr lang="en-US" dirty="0"/>
+              <a:rPr lang="en-US" sz="2000" dirty="0"/>
               <a:t>Then we have four different classes that can be navigated to(StartScreen, GameScreen, HighScoreScreen, and GameOverScreen). </a:t>
             </a:r>
           </a:p>
@@ -12904,7 +12945,7 @@
               <a:buChar char="•"/>
             </a:pPr>
             <a:r>
-              <a:rPr lang="en-US" dirty="0"/>
+              <a:rPr lang="en-US" sz="2000" dirty="0"/>
               <a:t>Most of the game lives within the GameScreen, essentially most of the main functions for everything.</a:t>
             </a:r>
           </a:p>
@@ -12917,7 +12958,7 @@
               <a:buChar char="•"/>
             </a:pPr>
             <a:r>
-              <a:rPr lang="en-US" dirty="0"/>
+              <a:rPr lang="en-US" sz="2000" dirty="0"/>
               <a:t>Each of the other screens house the Start menu, High Scores and the Game Over screen respectively. </a:t>
             </a:r>
           </a:p>
@@ -12933,6 +12974,13 @@
   <p:clrMapOvr>
     <a:masterClrMapping/>
   </p:clrMapOvr>
+  <p:timing>
+    <p:tnLst>
+      <p:par>
+        <p:cTn id="1" dur="indefinite" restart="never" nodeType="tmRoot"/>
+      </p:par>
+    </p:tnLst>
+  </p:timing>
 </p:sld>
 </file>
 
@@ -12993,6 +13041,13 @@
   <p:clrMapOvr>
     <a:masterClrMapping/>
   </p:clrMapOvr>
+  <p:timing>
+    <p:tnLst>
+      <p:par>
+        <p:cTn id="1" dur="indefinite" restart="never" nodeType="tmRoot"/>
+      </p:par>
+    </p:tnLst>
+  </p:timing>
 </p:sld>
 </file>
 
@@ -13051,6 +13106,13 @@
   <p:clrMapOvr>
     <a:masterClrMapping/>
   </p:clrMapOvr>
+  <p:timing>
+    <p:tnLst>
+      <p:par>
+        <p:cTn id="1" dur="indefinite" restart="never" nodeType="tmRoot"/>
+      </p:par>
+    </p:tnLst>
+  </p:timing>
 </p:sld>
 </file>
 
@@ -13089,11 +13151,13 @@
         </p:nvSpPr>
         <p:spPr/>
         <p:txBody>
-          <a:bodyPr/>
+          <a:bodyPr>
+            <a:normAutofit/>
+          </a:bodyPr>
           <a:lstStyle/>
           <a:p>
             <a:r>
-              <a:rPr lang="en-US" dirty="0"/>
+              <a:rPr lang="en-US" sz="4000" dirty="0"/>
               <a:t>Future Work</a:t>
             </a:r>
           </a:p>
@@ -13114,7 +13178,7 @@
         <p:spPr>
           <a:xfrm>
             <a:off x="1132514" y="2424418"/>
-            <a:ext cx="9722840" cy="2229072"/>
+            <a:ext cx="9722840" cy="2554545"/>
           </a:xfrm>
           <a:prstGeom prst="rect">
             <a:avLst/>
@@ -13135,7 +13199,7 @@
               <a:buChar char="•"/>
             </a:pPr>
             <a:r>
-              <a:rPr lang="en-US" dirty="0"/>
+              <a:rPr lang="en-US" sz="2000" dirty="0"/>
               <a:t>We would both like to take our knowledge gained from this project and code our versions of some other older arcade games.</a:t>
             </a:r>
           </a:p>
@@ -13148,7 +13212,7 @@
               <a:buChar char="•"/>
             </a:pPr>
             <a:r>
-              <a:rPr lang="en-US" dirty="0"/>
+              <a:rPr lang="en-US" sz="2000" dirty="0"/>
               <a:t>It would also be nice to convert the CLASTEROIDS project over into a different engine and not use a WPF, as WPFs are not really intended for games.</a:t>
             </a:r>
           </a:p>
@@ -13164,6 +13228,13 @@
   <p:clrMapOvr>
     <a:masterClrMapping/>
   </p:clrMapOvr>
+  <p:timing>
+    <p:tnLst>
+      <p:par>
+        <p:cTn id="1" dur="indefinite" restart="never" nodeType="tmRoot"/>
+      </p:par>
+    </p:tnLst>
+  </p:timing>
 </p:sld>
 </file>
 
@@ -13202,11 +13273,13 @@
         </p:nvSpPr>
         <p:spPr/>
         <p:txBody>
-          <a:bodyPr/>
+          <a:bodyPr>
+            <a:normAutofit/>
+          </a:bodyPr>
           <a:lstStyle/>
           <a:p>
             <a:r>
-              <a:rPr lang="en-US" dirty="0"/>
+              <a:rPr lang="en-US" sz="4000" dirty="0"/>
               <a:t>Questions?</a:t>
             </a:r>
           </a:p>
@@ -13227,7 +13300,7 @@
         <p:spPr>
           <a:xfrm>
             <a:off x="1141413" y="2281806"/>
-            <a:ext cx="8867163" cy="1200329"/>
+            <a:ext cx="8867163" cy="1569660"/>
           </a:xfrm>
           <a:prstGeom prst="rect">
             <a:avLst/>
@@ -13241,37 +13314,37 @@
           <a:lstStyle/>
           <a:p>
             <a:r>
-              <a:rPr lang="en-US" dirty="0">
+              <a:rPr lang="en-US" sz="2400" dirty="0">
                 <a:hlinkClick r:id="rId2"/>
               </a:rPr>
               <a:t>phiglump@ut.utm.edu</a:t>
             </a:r>
-            <a:endParaRPr lang="en-US" dirty="0"/>
+            <a:endParaRPr lang="en-US" sz="2400" dirty="0"/>
           </a:p>
           <a:p>
             <a:r>
-              <a:rPr lang="en-US" dirty="0">
+              <a:rPr lang="en-US" sz="2400" dirty="0">
                 <a:hlinkClick r:id="rId3"/>
               </a:rPr>
               <a:t>nicapica@ut.utm.edu</a:t>
             </a:r>
-            <a:endParaRPr lang="en-US" dirty="0"/>
-          </a:p>
-          <a:p>
-            <a:endParaRPr lang="en-US" dirty="0"/>
+            <a:endParaRPr lang="en-US" sz="2400" dirty="0"/>
+          </a:p>
+          <a:p>
+            <a:endParaRPr lang="en-US" sz="2400" dirty="0"/>
           </a:p>
           <a:p>
             <a:r>
-              <a:rPr lang="en-US" dirty="0"/>
+              <a:rPr lang="en-US" sz="2400" dirty="0"/>
               <a:t>GitHub: </a:t>
             </a:r>
             <a:r>
-              <a:rPr lang="en-US" dirty="0">
+              <a:rPr lang="en-US" sz="2400" dirty="0">
                 <a:hlinkClick r:id="rId4"/>
               </a:rPr>
               <a:t>https://github.com/phiglump/Asteroids</a:t>
             </a:r>
-            <a:endParaRPr lang="en-US" dirty="0"/>
+            <a:endParaRPr lang="en-US" sz="2400" dirty="0"/>
           </a:p>
         </p:txBody>
       </p:sp>
@@ -13285,6 +13358,13 @@
   <p:clrMapOvr>
     <a:masterClrMapping/>
   </p:clrMapOvr>
+  <p:timing>
+    <p:tnLst>
+      <p:par>
+        <p:cTn id="1" dur="indefinite" restart="never" nodeType="tmRoot"/>
+      </p:par>
+    </p:tnLst>
+  </p:timing>
 </p:sld>
 </file>
 
